--- a/doc/Task07/Domain_Model_extended.pptx
+++ b/doc/Task07/Domain_Model_extended.pptx
@@ -243,7 +243,7 @@
           <a:p>
             <a:fld id="{C768754E-A360-45E9-84D1-79DBC472E63F}" type="datetimeFigureOut">
               <a:rPr lang="de-CH" smtClean="0"/>
-              <a:t>29.10.2015</a:t>
+              <a:t>05.11.2015</a:t>
             </a:fld>
             <a:endParaRPr lang="de-CH"/>
           </a:p>
@@ -413,7 +413,7 @@
           <a:p>
             <a:fld id="{C768754E-A360-45E9-84D1-79DBC472E63F}" type="datetimeFigureOut">
               <a:rPr lang="de-CH" smtClean="0"/>
-              <a:t>29.10.2015</a:t>
+              <a:t>05.11.2015</a:t>
             </a:fld>
             <a:endParaRPr lang="de-CH"/>
           </a:p>
@@ -593,7 +593,7 @@
           <a:p>
             <a:fld id="{C768754E-A360-45E9-84D1-79DBC472E63F}" type="datetimeFigureOut">
               <a:rPr lang="de-CH" smtClean="0"/>
-              <a:t>29.10.2015</a:t>
+              <a:t>05.11.2015</a:t>
             </a:fld>
             <a:endParaRPr lang="de-CH"/>
           </a:p>
@@ -763,7 +763,7 @@
           <a:p>
             <a:fld id="{C768754E-A360-45E9-84D1-79DBC472E63F}" type="datetimeFigureOut">
               <a:rPr lang="de-CH" smtClean="0"/>
-              <a:t>29.10.2015</a:t>
+              <a:t>05.11.2015</a:t>
             </a:fld>
             <a:endParaRPr lang="de-CH"/>
           </a:p>
@@ -1009,7 +1009,7 @@
           <a:p>
             <a:fld id="{C768754E-A360-45E9-84D1-79DBC472E63F}" type="datetimeFigureOut">
               <a:rPr lang="de-CH" smtClean="0"/>
-              <a:t>29.10.2015</a:t>
+              <a:t>05.11.2015</a:t>
             </a:fld>
             <a:endParaRPr lang="de-CH"/>
           </a:p>
@@ -1241,7 +1241,7 @@
           <a:p>
             <a:fld id="{C768754E-A360-45E9-84D1-79DBC472E63F}" type="datetimeFigureOut">
               <a:rPr lang="de-CH" smtClean="0"/>
-              <a:t>29.10.2015</a:t>
+              <a:t>05.11.2015</a:t>
             </a:fld>
             <a:endParaRPr lang="de-CH"/>
           </a:p>
@@ -1608,7 +1608,7 @@
           <a:p>
             <a:fld id="{C768754E-A360-45E9-84D1-79DBC472E63F}" type="datetimeFigureOut">
               <a:rPr lang="de-CH" smtClean="0"/>
-              <a:t>29.10.2015</a:t>
+              <a:t>05.11.2015</a:t>
             </a:fld>
             <a:endParaRPr lang="de-CH"/>
           </a:p>
@@ -1726,7 +1726,7 @@
           <a:p>
             <a:fld id="{C768754E-A360-45E9-84D1-79DBC472E63F}" type="datetimeFigureOut">
               <a:rPr lang="de-CH" smtClean="0"/>
-              <a:t>29.10.2015</a:t>
+              <a:t>05.11.2015</a:t>
             </a:fld>
             <a:endParaRPr lang="de-CH"/>
           </a:p>
@@ -1821,7 +1821,7 @@
           <a:p>
             <a:fld id="{C768754E-A360-45E9-84D1-79DBC472E63F}" type="datetimeFigureOut">
               <a:rPr lang="de-CH" smtClean="0"/>
-              <a:t>29.10.2015</a:t>
+              <a:t>05.11.2015</a:t>
             </a:fld>
             <a:endParaRPr lang="de-CH"/>
           </a:p>
@@ -2098,7 +2098,7 @@
           <a:p>
             <a:fld id="{C768754E-A360-45E9-84D1-79DBC472E63F}" type="datetimeFigureOut">
               <a:rPr lang="de-CH" smtClean="0"/>
-              <a:t>29.10.2015</a:t>
+              <a:t>05.11.2015</a:t>
             </a:fld>
             <a:endParaRPr lang="de-CH"/>
           </a:p>
@@ -2351,7 +2351,7 @@
           <a:p>
             <a:fld id="{C768754E-A360-45E9-84D1-79DBC472E63F}" type="datetimeFigureOut">
               <a:rPr lang="de-CH" smtClean="0"/>
-              <a:t>29.10.2015</a:t>
+              <a:t>05.11.2015</a:t>
             </a:fld>
             <a:endParaRPr lang="de-CH"/>
           </a:p>
@@ -2564,7 +2564,7 @@
           <a:p>
             <a:fld id="{C768754E-A360-45E9-84D1-79DBC472E63F}" type="datetimeFigureOut">
               <a:rPr lang="de-CH" smtClean="0"/>
-              <a:t>29.10.2015</a:t>
+              <a:t>05.11.2015</a:t>
             </a:fld>
             <a:endParaRPr lang="de-CH"/>
           </a:p>
@@ -4587,6 +4587,40 @@
             </a:r>
           </a:p>
           <a:p>
+            <a:r>
+              <a:rPr lang="de-CH" sz="1200" dirty="0"/>
+              <a:t>-</a:t>
+            </a:r>
+            <a:r>
+              <a:rPr lang="de-CH" sz="1200" dirty="0" err="1"/>
+              <a:t>get</a:t>
+            </a:r>
+            <a:r>
+              <a:rPr lang="de-CH" sz="1200" dirty="0"/>
+              <a:t>()</a:t>
+            </a:r>
+          </a:p>
+          <a:p>
+            <a:r>
+              <a:rPr lang="de-CH" sz="1200" dirty="0"/>
+              <a:t>-set()</a:t>
+            </a:r>
+          </a:p>
+          <a:p>
+            <a:r>
+              <a:rPr lang="de-CH" sz="1200" dirty="0"/>
+              <a:t>- </a:t>
+            </a:r>
+            <a:r>
+              <a:rPr lang="de-CH" sz="1200" dirty="0" err="1"/>
+              <a:t>verificate</a:t>
+            </a:r>
+            <a:r>
+              <a:rPr lang="de-CH" sz="1200"/>
+              <a:t>()</a:t>
+            </a:r>
+          </a:p>
+          <a:p>
             <a:endParaRPr lang="de-CH" sz="1200" dirty="0"/>
           </a:p>
         </p:txBody>

--- a/doc/Task07/Domain_Model_extended.pptx
+++ b/doc/Task07/Domain_Model_extended.pptx
@@ -106,7 +106,7 @@
   </p:defaultTextStyle>
   <p:extLst>
     <p:ext uri="{EFAFB233-063F-42B5-8137-9DF3F51BA10A}">
-      <p15:sldGuideLst xmlns:p15="http://schemas.microsoft.com/office/powerpoint/2012/main"/>
+      <p15:sldGuideLst xmlns:p15="http://schemas.microsoft.com/office/powerpoint/2012/main" xmlns=""/>
     </p:ext>
   </p:extLst>
 </p:presentation>
@@ -4511,7 +4511,7 @@
         <p:spPr>
           <a:xfrm>
             <a:off x="10299384" y="2140686"/>
-            <a:ext cx="1824990" cy="1846339"/>
+            <a:ext cx="1824990" cy="1918695"/>
           </a:xfrm>
           <a:prstGeom prst="rect">
             <a:avLst/>
@@ -4588,37 +4588,56 @@
           </a:p>
           <a:p>
             <a:r>
+              <a:rPr lang="de-CH" sz="1200" dirty="0" smtClean="0"/>
+              <a:t>+</a:t>
+            </a:r>
+            <a:r>
+              <a:rPr lang="de-CH" sz="1200" dirty="0" err="1" smtClean="0"/>
+              <a:t>get</a:t>
+            </a:r>
+            <a:r>
+              <a:rPr lang="de-CH" sz="1200" dirty="0" smtClean="0"/>
+              <a:t>()</a:t>
+            </a:r>
+          </a:p>
+          <a:p>
+            <a:r>
+              <a:rPr lang="de-CH" sz="1200" dirty="0" smtClean="0"/>
+              <a:t>+</a:t>
+            </a:r>
+            <a:r>
+              <a:rPr lang="de-CH" sz="1200" dirty="0" err="1" smtClean="0"/>
+              <a:t>set</a:t>
+            </a:r>
+            <a:r>
+              <a:rPr lang="de-CH" sz="1200" dirty="0" smtClean="0"/>
+              <a:t>()</a:t>
+            </a:r>
+          </a:p>
+          <a:p>
+            <a:r>
+              <a:rPr lang="de-CH" sz="1200" smtClean="0"/>
+              <a:t>+verificate</a:t>
+            </a:r>
+            <a:r>
+              <a:rPr lang="de-CH" sz="1200" dirty="0" smtClean="0"/>
+              <a:t>()</a:t>
+            </a:r>
+          </a:p>
+          <a:p>
+            <a:r>
               <a:rPr lang="de-CH" sz="1200" dirty="0"/>
-              <a:t>-</a:t>
+              <a:t>+</a:t>
             </a:r>
             <a:r>
               <a:rPr lang="de-CH" sz="1200" dirty="0" err="1"/>
-              <a:t>get</a:t>
-            </a:r>
-            <a:r>
-              <a:rPr lang="de-CH" sz="1200" dirty="0"/>
+              <a:t>meetingShortly</a:t>
+            </a:r>
+            <a:r>
+              <a:rPr lang="de-CH" sz="1200" dirty="0" smtClean="0"/>
               <a:t>()</a:t>
             </a:r>
-          </a:p>
-          <a:p>
-            <a:r>
-              <a:rPr lang="de-CH" sz="1200" dirty="0"/>
-              <a:t>-set()</a:t>
-            </a:r>
-          </a:p>
-          <a:p>
-            <a:r>
-              <a:rPr lang="de-CH" sz="1200" dirty="0"/>
-              <a:t>- </a:t>
-            </a:r>
-            <a:r>
-              <a:rPr lang="de-CH" sz="1200" dirty="0" err="1"/>
-              <a:t>verificate</a:t>
-            </a:r>
-            <a:r>
-              <a:rPr lang="de-CH" sz="1200"/>
-              <a:t>()</a:t>
-            </a:r>
+            <a:endParaRPr lang="de-CH" sz="1200" dirty="0"/>
           </a:p>
           <a:p>
             <a:endParaRPr lang="de-CH" sz="1200" dirty="0"/>
@@ -4893,7 +4912,7 @@
   <a:extraClrSchemeLst/>
   <a:extLst>
     <a:ext uri="{05A4C25C-085E-4340-85A3-A5531E510DB2}">
-      <thm15:themeFamily xmlns:thm15="http://schemas.microsoft.com/office/thememl/2012/main" name="Office Theme" id="{62F939B6-93AF-4DB8-9C6B-D6C7DFDC589F}" vid="{4A3C46E8-61CC-4603-A589-7422A47A8E4A}"/>
+      <thm15:themeFamily xmlns:thm15="http://schemas.microsoft.com/office/thememl/2012/main" xmlns="" name="Office Theme" id="{62F939B6-93AF-4DB8-9C6B-D6C7DFDC589F}" vid="{4A3C46E8-61CC-4603-A589-7422A47A8E4A}"/>
     </a:ext>
   </a:extLst>
 </a:theme>
